--- a/Identifying Experts in Community Question Answering Website Based on Graph Convolutional Neural Network.pptx
+++ b/Identifying Experts in Community Question Answering Website Based on Graph Convolutional Neural Network.pptx
@@ -13921,7 +13921,7 @@
           <a:p>
             <a:fld id="{ED291B17-9318-49DB-B28B-6E5994AE9581}" type="datetime1">
               <a:rPr lang="en-US" smtClean="0"/>
-              <a:t>2/25/2021</a:t>
+              <a:t>2/27/2021</a:t>
             </a:fld>
             <a:endParaRPr lang="en-US" dirty="0"/>
           </a:p>
@@ -14124,7 +14124,7 @@
           <a:p>
             <a:fld id="{2CED4963-E985-44C4-B8C4-FDD613B7C2F8}" type="datetime1">
               <a:rPr lang="en-US" smtClean="0"/>
-              <a:t>2/25/2021</a:t>
+              <a:t>2/27/2021</a:t>
             </a:fld>
             <a:endParaRPr lang="en-US" dirty="0"/>
           </a:p>
@@ -14486,7 +14486,7 @@
           <a:p>
             <a:fld id="{ED291B17-9318-49DB-B28B-6E5994AE9581}" type="datetime1">
               <a:rPr lang="en-US" smtClean="0"/>
-              <a:t>2/25/2021</a:t>
+              <a:t>2/27/2021</a:t>
             </a:fld>
             <a:endParaRPr lang="en-US" dirty="0"/>
           </a:p>
@@ -14684,7 +14684,7 @@
           <a:p>
             <a:fld id="{78DD82B9-B8EE-4375-B6FF-88FA6ABB15D9}" type="datetime1">
               <a:rPr lang="en-US" smtClean="0"/>
-              <a:t>2/25/2021</a:t>
+              <a:t>2/27/2021</a:t>
             </a:fld>
             <a:endParaRPr lang="en-US" dirty="0"/>
           </a:p>
@@ -14996,7 +14996,7 @@
           <a:p>
             <a:fld id="{B2497495-0637-405E-AE64-5CC7506D51F5}" type="datetime1">
               <a:rPr lang="en-US" smtClean="0"/>
-              <a:t>2/25/2021</a:t>
+              <a:t>2/27/2021</a:t>
             </a:fld>
             <a:endParaRPr lang="en-US" dirty="0"/>
           </a:p>
@@ -15249,7 +15249,7 @@
           <a:p>
             <a:fld id="{7BFFD690-9426-415D-8B65-26881E07B2D4}" type="datetime1">
               <a:rPr lang="en-US" smtClean="0"/>
-              <a:t>2/25/2021</a:t>
+              <a:t>2/27/2021</a:t>
             </a:fld>
             <a:endParaRPr lang="en-US" dirty="0"/>
           </a:p>
@@ -15671,7 +15671,7 @@
           <a:p>
             <a:fld id="{04C4989A-474C-40DE-95B9-011C28B71673}" type="datetime1">
               <a:rPr lang="en-US" smtClean="0"/>
-              <a:t>2/25/2021</a:t>
+              <a:t>2/27/2021</a:t>
             </a:fld>
             <a:endParaRPr lang="en-US" dirty="0"/>
           </a:p>
@@ -15794,7 +15794,7 @@
           <a:p>
             <a:fld id="{5DB4ED54-5B5E-4A04-93D3-5772E3CE3818}" type="datetime1">
               <a:rPr lang="en-US" smtClean="0"/>
-              <a:t>2/25/2021</a:t>
+              <a:t>2/27/2021</a:t>
             </a:fld>
             <a:endParaRPr lang="en-US" dirty="0"/>
           </a:p>
@@ -15889,7 +15889,7 @@
           <a:p>
             <a:fld id="{4EDE50D6-574B-40AF-946F-D52A04ADE379}" type="datetime1">
               <a:rPr lang="en-US" smtClean="0"/>
-              <a:t>2/25/2021</a:t>
+              <a:t>2/27/2021</a:t>
             </a:fld>
             <a:endParaRPr lang="en-US" dirty="0"/>
           </a:p>
@@ -16266,7 +16266,7 @@
           <a:p>
             <a:fld id="{D82884F1-FFEA-405F-9602-3DCA865EDA4E}" type="datetime1">
               <a:rPr lang="en-US" smtClean="0"/>
-              <a:t>2/25/2021</a:t>
+              <a:t>2/27/2021</a:t>
             </a:fld>
             <a:endParaRPr lang="en-US" dirty="0"/>
           </a:p>
@@ -16558,7 +16558,7 @@
           <a:p>
             <a:fld id="{7E18DB4A-8810-4A10-AD5C-D5E2C667F5B3}" type="datetime1">
               <a:rPr lang="en-US" smtClean="0"/>
-              <a:t>2/25/2021</a:t>
+              <a:t>2/27/2021</a:t>
             </a:fld>
             <a:endParaRPr lang="en-US" dirty="0"/>
           </a:p>
@@ -16773,7 +16773,7 @@
           <a:p>
             <a:fld id="{ED291B17-9318-49DB-B28B-6E5994AE9581}" type="datetime1">
               <a:rPr lang="en-US" smtClean="0"/>
-              <a:t>2/25/2021</a:t>
+              <a:t>2/27/2021</a:t>
             </a:fld>
             <a:endParaRPr lang="en-US" dirty="0"/>
           </a:p>
@@ -19678,12 +19678,12 @@
         </p:spPr>
         <p:txBody>
           <a:bodyPr>
-            <a:normAutofit/>
+            <a:normAutofit fontScale="92500" lnSpcReduction="20000"/>
           </a:bodyPr>
           <a:lstStyle/>
           <a:p>
             <a:r>
-              <a:rPr lang="en-IN">
+              <a:rPr lang="en-IN" dirty="0">
                 <a:effectLst/>
                 <a:latin typeface="Century Gothic" panose="020B0502020202020204" pitchFamily="34" charset="0"/>
                 <a:ea typeface="Century Gothic" panose="020B0502020202020204" pitchFamily="34" charset="0"/>
@@ -19694,20 +19694,54 @@
           </a:p>
           <a:p>
             <a:r>
-              <a:rPr lang="en-IN">
+              <a:rPr lang="en-IN" dirty="0">
                 <a:effectLst/>
                 <a:latin typeface="Century Gothic" panose="020B0502020202020204" pitchFamily="34" charset="0"/>
                 <a:ea typeface="Century Gothic" panose="020B0502020202020204" pitchFamily="34" charset="0"/>
                 <a:cs typeface="Times New Roman" panose="02020603050405020304" pitchFamily="18" charset="0"/>
               </a:rPr>
-              <a:t>We have linked a few APIs for Home Page, Login, Sign Up, Add Question, Update Question and upload Images to Cloudinary.</a:t>
+              <a:t>We have linked a few APIs for Home Page, Login, Sign Up, Add Question, Update Question, Add Answer and upload Images to Cloudinary.</a:t>
             </a:r>
+          </a:p>
+          <a:p>
+            <a:r>
+              <a:rPr lang="en-IN" dirty="0">
+                <a:latin typeface="Century Gothic" panose="020B0502020202020204" pitchFamily="34" charset="0"/>
+                <a:ea typeface="Century Gothic" panose="020B0502020202020204" pitchFamily="34" charset="0"/>
+                <a:cs typeface="Times New Roman" panose="02020603050405020304" pitchFamily="18" charset="0"/>
+              </a:rPr>
+              <a:t>We also made an unsupervised model where </a:t>
+            </a:r>
+            <a:r>
+              <a:rPr lang="en-GB" dirty="0">
+                <a:latin typeface="Century Gothic" panose="020B0502020202020204" pitchFamily="34" charset="0"/>
+                <a:ea typeface="Century Gothic" panose="020B0502020202020204" pitchFamily="34" charset="0"/>
+                <a:cs typeface="Times New Roman" panose="02020603050405020304" pitchFamily="18" charset="0"/>
+              </a:rPr>
+              <a:t>Natural Language Processing has been used. </a:t>
+            </a:r>
+          </a:p>
+          <a:p>
+            <a:r>
+              <a:rPr lang="en-GB" dirty="0">
+                <a:latin typeface="Century Gothic" panose="020B0502020202020204" pitchFamily="34" charset="0"/>
+                <a:ea typeface="Century Gothic" panose="020B0502020202020204" pitchFamily="34" charset="0"/>
+                <a:cs typeface="Times New Roman" panose="02020603050405020304" pitchFamily="18" charset="0"/>
+              </a:rPr>
+              <a:t>It’s a model that will basically try to regenerate the answers from scratch.</a:t>
+            </a:r>
+            <a:endParaRPr lang="en-IN" dirty="0">
+              <a:effectLst/>
+              <a:latin typeface="Century Gothic" panose="020B0502020202020204" pitchFamily="34" charset="0"/>
+              <a:ea typeface="Century Gothic" panose="020B0502020202020204" pitchFamily="34" charset="0"/>
+              <a:cs typeface="Times New Roman" panose="02020603050405020304" pitchFamily="18" charset="0"/>
+            </a:endParaRPr>
           </a:p>
           <a:p>
             <a:pPr marL="0" indent="0">
               <a:buNone/>
             </a:pPr>
-            <a:endParaRPr lang="en-IN"/>
+            <a:endParaRPr lang="en-IN" dirty="0"/>
           </a:p>
         </p:txBody>
       </p:sp>
@@ -20653,12 +20687,11 @@
 </file>
 
 <file path=customXml/item1.xml><?xml version="1.0" encoding="utf-8"?>
-<?mso-contentType ?>
-<FormTemplates xmlns="http://schemas.microsoft.com/sharepoint/v3/contenttype/forms">
-  <Display>DocumentLibraryForm</Display>
-  <Edit>DocumentLibraryForm</Edit>
-  <New>DocumentLibraryForm</New>
-</FormTemplates>
+<p:properties xmlns:p="http://schemas.microsoft.com/office/2006/metadata/properties" xmlns:xsi="http://www.w3.org/2001/XMLSchema-instance" xmlns:pc="http://schemas.microsoft.com/office/infopath/2007/PartnerControls">
+  <documentManagement>
+    <MediaServiceKeyPoints xmlns="5612ee66-57ec-4f9d-abfe-636cbacf8283" xsi:nil="true"/>
+  </documentManagement>
+</p:properties>
 </file>
 
 <file path=customXml/item2.xml><?xml version="1.0" encoding="utf-8"?>
@@ -20847,17 +20880,27 @@
 </file>
 
 <file path=customXml/item3.xml><?xml version="1.0" encoding="utf-8"?>
-<p:properties xmlns:p="http://schemas.microsoft.com/office/2006/metadata/properties" xmlns:xsi="http://www.w3.org/2001/XMLSchema-instance" xmlns:pc="http://schemas.microsoft.com/office/infopath/2007/PartnerControls">
-  <documentManagement>
-    <MediaServiceKeyPoints xmlns="5612ee66-57ec-4f9d-abfe-636cbacf8283" xsi:nil="true"/>
-  </documentManagement>
-</p:properties>
+<?mso-contentType ?>
+<FormTemplates xmlns="http://schemas.microsoft.com/sharepoint/v3/contenttype/forms">
+  <Display>DocumentLibraryForm</Display>
+  <Edit>DocumentLibraryForm</Edit>
+  <New>DocumentLibraryForm</New>
+</FormTemplates>
 </file>
 
 <file path=customXml/itemProps1.xml><?xml version="1.0" encoding="utf-8"?>
-<ds:datastoreItem xmlns:ds="http://schemas.openxmlformats.org/officeDocument/2006/customXml" ds:itemID="{927BD4C1-B6B1-4715-ABF9-E660A51A4EA0}">
+<ds:datastoreItem xmlns:ds="http://schemas.openxmlformats.org/officeDocument/2006/customXml" ds:itemID="{8D289AE2-D2AE-49D1-AFAC-3A79F6794255}">
   <ds:schemaRefs>
-    <ds:schemaRef ds:uri="http://schemas.microsoft.com/sharepoint/v3/contenttype/forms"/>
+    <ds:schemaRef ds:uri="http://purl.org/dc/terms/"/>
+    <ds:schemaRef ds:uri="http://schemas.microsoft.com/office/2006/documentManagement/types"/>
+    <ds:schemaRef ds:uri="http://www.w3.org/XML/1998/namespace"/>
+    <ds:schemaRef ds:uri="http://schemas.microsoft.com/office/2006/metadata/properties"/>
+    <ds:schemaRef ds:uri="http://schemas.openxmlformats.org/package/2006/metadata/core-properties"/>
+    <ds:schemaRef ds:uri="ca4305d0-024a-4dfe-8e28-324d37d34087"/>
+    <ds:schemaRef ds:uri="http://purl.org/dc/dcmitype/"/>
+    <ds:schemaRef ds:uri="http://schemas.microsoft.com/office/infopath/2007/PartnerControls"/>
+    <ds:schemaRef ds:uri="5612ee66-57ec-4f9d-abfe-636cbacf8283"/>
+    <ds:schemaRef ds:uri="http://purl.org/dc/elements/1.1/"/>
   </ds:schemaRefs>
 </ds:datastoreItem>
 </file>
@@ -20882,18 +20925,9 @@
 </file>
 
 <file path=customXml/itemProps3.xml><?xml version="1.0" encoding="utf-8"?>
-<ds:datastoreItem xmlns:ds="http://schemas.openxmlformats.org/officeDocument/2006/customXml" ds:itemID="{8D289AE2-D2AE-49D1-AFAC-3A79F6794255}">
+<ds:datastoreItem xmlns:ds="http://schemas.openxmlformats.org/officeDocument/2006/customXml" ds:itemID="{927BD4C1-B6B1-4715-ABF9-E660A51A4EA0}">
   <ds:schemaRefs>
-    <ds:schemaRef ds:uri="http://purl.org/dc/terms/"/>
-    <ds:schemaRef ds:uri="http://schemas.microsoft.com/office/2006/documentManagement/types"/>
-    <ds:schemaRef ds:uri="http://www.w3.org/XML/1998/namespace"/>
-    <ds:schemaRef ds:uri="http://schemas.microsoft.com/office/2006/metadata/properties"/>
-    <ds:schemaRef ds:uri="http://schemas.openxmlformats.org/package/2006/metadata/core-properties"/>
-    <ds:schemaRef ds:uri="ca4305d0-024a-4dfe-8e28-324d37d34087"/>
-    <ds:schemaRef ds:uri="http://purl.org/dc/dcmitype/"/>
-    <ds:schemaRef ds:uri="http://schemas.microsoft.com/office/infopath/2007/PartnerControls"/>
-    <ds:schemaRef ds:uri="5612ee66-57ec-4f9d-abfe-636cbacf8283"/>
-    <ds:schemaRef ds:uri="http://purl.org/dc/elements/1.1/"/>
+    <ds:schemaRef ds:uri="http://schemas.microsoft.com/sharepoint/v3/contenttype/forms"/>
   </ds:schemaRefs>
 </ds:datastoreItem>
 </file>